--- a/非eps/bds+.pptx
+++ b/非eps/bds+.pptx
@@ -3024,8 +3024,8 @@
         </p:nvSpPr>
         <p:spPr>
           <a:xfrm>
-            <a:off x="858644" y="1471962"/>
-            <a:ext cx="2133918" cy="1774845"/>
+            <a:off x="1028373" y="1493976"/>
+            <a:ext cx="1884618" cy="1774845"/>
           </a:xfrm>
           <a:prstGeom prst="rect">
             <a:avLst/>
@@ -3038,13 +3038,14 @@
           </a:bodyPr>
           <a:lstStyle/>
           <a:p>
+            <a:pPr algn="ctr"/>
             <a:r>
               <a:rPr kumimoji="1" lang="en-US" altLang="zh-CN" sz="1600" b="1" dirty="0" smtClean="0">
                 <a:latin typeface="Arial" charset="0"/>
                 <a:ea typeface="Arial" charset="0"/>
                 <a:cs typeface="Arial" charset="0"/>
               </a:rPr>
-              <a:t>Agent Observations</a:t>
+              <a:t>Agent</a:t>
             </a:r>
           </a:p>
           <a:p>
@@ -3199,8 +3200,8 @@
         </p:nvSpPr>
         <p:spPr>
           <a:xfrm>
-            <a:off x="3590693" y="1518127"/>
-            <a:ext cx="3267147" cy="1572321"/>
+            <a:off x="3590694" y="1518127"/>
+            <a:ext cx="2652378" cy="1572321"/>
           </a:xfrm>
           <a:prstGeom prst="rect">
             <a:avLst/>
@@ -3251,7 +3252,7 @@
         </p:nvSpPr>
         <p:spPr>
           <a:xfrm>
-            <a:off x="3623986" y="1471962"/>
+            <a:off x="3353887" y="1138544"/>
             <a:ext cx="3233854" cy="338554"/>
           </a:xfrm>
           <a:prstGeom prst="rect">
@@ -3282,66 +3283,14 @@
       </p:sp>
       <p:sp>
         <p:nvSpPr>
-          <p:cNvPr id="8" name="矩形 7"/>
-          <p:cNvSpPr/>
-          <p:nvPr/>
-        </p:nvSpPr>
-        <p:spPr>
-          <a:xfrm>
-            <a:off x="3713356" y="1856681"/>
-            <a:ext cx="914400" cy="1170465"/>
-          </a:xfrm>
-          <a:prstGeom prst="rect">
-            <a:avLst/>
-          </a:prstGeom>
-          <a:solidFill>
-            <a:schemeClr val="bg1"/>
-          </a:solidFill>
-          <a:ln>
-            <a:solidFill>
-              <a:schemeClr val="tx1"/>
-            </a:solidFill>
-          </a:ln>
-        </p:spPr>
-        <p:style>
-          <a:lnRef idx="2">
-            <a:schemeClr val="accent1">
-              <a:shade val="50000"/>
-            </a:schemeClr>
-          </a:lnRef>
-          <a:fillRef idx="1">
-            <a:schemeClr val="accent1"/>
-          </a:fillRef>
-          <a:effectRef idx="0">
-            <a:schemeClr val="accent1"/>
-          </a:effectRef>
-          <a:fontRef idx="minor">
-            <a:schemeClr val="lt1"/>
-          </a:fontRef>
-        </p:style>
-        <p:txBody>
-          <a:bodyPr rtlCol="0" anchor="ctr"/>
-          <a:lstStyle/>
-          <a:p>
-            <a:pPr algn="ctr"/>
-            <a:endParaRPr kumimoji="1" lang="zh-CN" altLang="en-US">
-              <a:latin typeface="Arial" charset="0"/>
-              <a:ea typeface="Arial" charset="0"/>
-              <a:cs typeface="Arial" charset="0"/>
-            </a:endParaRPr>
-          </a:p>
-        </p:txBody>
-      </p:sp>
-      <p:sp>
-        <p:nvSpPr>
           <p:cNvPr id="9" name="文本框 8"/>
           <p:cNvSpPr txBox="1"/>
           <p:nvPr/>
         </p:nvSpPr>
         <p:spPr>
           <a:xfrm>
-            <a:off x="3713355" y="2034983"/>
-            <a:ext cx="1026284" cy="830997"/>
+            <a:off x="3727505" y="1514748"/>
+            <a:ext cx="2860235" cy="338554"/>
           </a:xfrm>
           <a:prstGeom prst="rect">
             <a:avLst/>
@@ -3355,14 +3304,14 @@
           <a:lstStyle/>
           <a:p>
             <a:r>
-              <a:rPr kumimoji="1" lang="en-US" altLang="zh-CN" sz="1600" dirty="0" smtClean="0">
+              <a:rPr kumimoji="1" lang="en-US" altLang="zh-CN" sz="1600" b="1" dirty="0" smtClean="0">
                 <a:latin typeface="Arial" charset="0"/>
                 <a:ea typeface="Arial" charset="0"/>
                 <a:cs typeface="Arial" charset="0"/>
               </a:rPr>
               <a:t>Network Change Monitor</a:t>
             </a:r>
-            <a:endParaRPr kumimoji="1" lang="zh-CN" altLang="en-US" sz="1600" dirty="0">
+            <a:endParaRPr kumimoji="1" lang="zh-CN" altLang="en-US" sz="1600" b="1" dirty="0">
               <a:latin typeface="Arial" charset="0"/>
               <a:ea typeface="Arial" charset="0"/>
               <a:cs typeface="Arial" charset="0"/>
@@ -3378,8 +3327,8 @@
         </p:nvSpPr>
         <p:spPr>
           <a:xfrm rot="16200000">
-            <a:off x="3072160" y="2029226"/>
-            <a:ext cx="452592" cy="584473"/>
+            <a:off x="3074466" y="2030611"/>
+            <a:ext cx="452592" cy="579865"/>
           </a:xfrm>
           <a:prstGeom prst="downArrow">
             <a:avLst/>
@@ -3430,7 +3379,7 @@
         </p:nvSpPr>
         <p:spPr>
           <a:xfrm>
-            <a:off x="4997976" y="1858755"/>
+            <a:off x="4123771" y="1876286"/>
             <a:ext cx="1552290" cy="437760"/>
           </a:xfrm>
           <a:prstGeom prst="rect">
@@ -3482,7 +3431,7 @@
         </p:nvSpPr>
         <p:spPr>
           <a:xfrm>
-            <a:off x="4997976" y="2589386"/>
+            <a:off x="4123771" y="2606917"/>
             <a:ext cx="1552290" cy="437760"/>
           </a:xfrm>
           <a:prstGeom prst="rect">
@@ -3528,80 +3477,6 @@
       </p:sp>
       <p:cxnSp>
         <p:nvCxnSpPr>
-          <p:cNvPr id="17" name="直线箭头连接符 16"/>
-          <p:cNvCxnSpPr/>
-          <p:nvPr/>
-        </p:nvCxnSpPr>
-        <p:spPr>
-          <a:xfrm>
-            <a:off x="4627756" y="2034983"/>
-            <a:ext cx="354820" cy="0"/>
-          </a:xfrm>
-          <a:prstGeom prst="straightConnector1">
-            <a:avLst/>
-          </a:prstGeom>
-          <a:ln>
-            <a:solidFill>
-              <a:schemeClr val="tx1"/>
-            </a:solidFill>
-            <a:headEnd type="none" w="med" len="med"/>
-            <a:tailEnd type="arrow" w="med" len="med"/>
-          </a:ln>
-        </p:spPr>
-        <p:style>
-          <a:lnRef idx="1">
-            <a:schemeClr val="accent1"/>
-          </a:lnRef>
-          <a:fillRef idx="0">
-            <a:schemeClr val="accent1"/>
-          </a:fillRef>
-          <a:effectRef idx="0">
-            <a:schemeClr val="accent1"/>
-          </a:effectRef>
-          <a:fontRef idx="minor">
-            <a:schemeClr val="tx1"/>
-          </a:fontRef>
-        </p:style>
-      </p:cxnSp>
-      <p:cxnSp>
-        <p:nvCxnSpPr>
-          <p:cNvPr id="18" name="直线箭头连接符 17"/>
-          <p:cNvCxnSpPr/>
-          <p:nvPr/>
-        </p:nvCxnSpPr>
-        <p:spPr>
-          <a:xfrm>
-            <a:off x="4642996" y="2751263"/>
-            <a:ext cx="354820" cy="0"/>
-          </a:xfrm>
-          <a:prstGeom prst="straightConnector1">
-            <a:avLst/>
-          </a:prstGeom>
-          <a:ln>
-            <a:solidFill>
-              <a:schemeClr val="tx1"/>
-            </a:solidFill>
-            <a:headEnd type="none" w="med" len="med"/>
-            <a:tailEnd type="arrow" w="med" len="med"/>
-          </a:ln>
-        </p:spPr>
-        <p:style>
-          <a:lnRef idx="1">
-            <a:schemeClr val="accent1"/>
-          </a:lnRef>
-          <a:fillRef idx="0">
-            <a:schemeClr val="accent1"/>
-          </a:fillRef>
-          <a:effectRef idx="0">
-            <a:schemeClr val="accent1"/>
-          </a:effectRef>
-          <a:fontRef idx="minor">
-            <a:schemeClr val="tx1"/>
-          </a:fontRef>
-        </p:style>
-      </p:cxnSp>
-      <p:cxnSp>
-        <p:nvCxnSpPr>
           <p:cNvPr id="19" name="直线箭头连接符 18"/>
           <p:cNvCxnSpPr>
             <a:stCxn id="12" idx="2"/>
@@ -3611,7 +3486,7 @@
         </p:nvCxnSpPr>
         <p:spPr>
           <a:xfrm>
-            <a:off x="5774121" y="2296515"/>
+            <a:off x="4899916" y="2314046"/>
             <a:ext cx="0" cy="292871"/>
           </a:xfrm>
           <a:prstGeom prst="straightConnector1">
@@ -3648,7 +3523,7 @@
         </p:nvSpPr>
         <p:spPr>
           <a:xfrm>
-            <a:off x="5813029" y="2303013"/>
+            <a:off x="4938824" y="2320544"/>
             <a:ext cx="941283" cy="307777"/>
           </a:xfrm>
           <a:prstGeom prst="rect">
@@ -3694,8 +3569,8 @@
         </p:nvSpPr>
         <p:spPr>
           <a:xfrm>
-            <a:off x="7968657" y="1535301"/>
-            <a:ext cx="719587" cy="1572321"/>
+            <a:off x="7634700" y="1507793"/>
+            <a:ext cx="820656" cy="1572321"/>
           </a:xfrm>
           <a:prstGeom prst="rect">
             <a:avLst/>
@@ -3746,7 +3621,7 @@
         </p:nvSpPr>
         <p:spPr>
           <a:xfrm>
-            <a:off x="8005881" y="2166380"/>
+            <a:off x="7744172" y="2075161"/>
             <a:ext cx="671979" cy="369332"/>
           </a:xfrm>
           <a:prstGeom prst="rect">
@@ -3784,7 +3659,7 @@
         </p:nvSpPr>
         <p:spPr>
           <a:xfrm>
-            <a:off x="6910987" y="1844407"/>
+            <a:off x="6470514" y="1307821"/>
             <a:ext cx="1098957" cy="954107"/>
           </a:xfrm>
           <a:prstGeom prst="rect">
@@ -3868,7 +3743,7 @@
         </p:nvSpPr>
         <p:spPr>
           <a:xfrm>
-            <a:off x="5265646" y="2650942"/>
+            <a:off x="4391441" y="2668473"/>
             <a:ext cx="970137" cy="338554"/>
           </a:xfrm>
           <a:prstGeom prst="rect">
@@ -3905,7 +3780,7 @@
         </p:nvSpPr>
         <p:spPr>
           <a:xfrm>
-            <a:off x="5138653" y="1779093"/>
+            <a:off x="4264448" y="1796624"/>
             <a:ext cx="1463377" cy="584775"/>
           </a:xfrm>
           <a:prstGeom prst="rect">
@@ -3942,7 +3817,7 @@
         </p:nvSpPr>
         <p:spPr>
           <a:xfrm rot="16200000">
-            <a:off x="7044758" y="2154633"/>
+            <a:off x="6725091" y="1620974"/>
             <a:ext cx="452592" cy="1366626"/>
           </a:xfrm>
           <a:prstGeom prst="downArrow">

--- a/非eps/bds+.pptx
+++ b/非eps/bds+.pptx
@@ -4,8 +4,12 @@
   <p:sldMasterIdLst>
     <p:sldMasterId id="2147483648" r:id="rId1"/>
   </p:sldMasterIdLst>
+  <p:notesMasterIdLst>
+    <p:notesMasterId r:id="rId4"/>
+  </p:notesMasterIdLst>
   <p:sldIdLst>
     <p:sldId id="256" r:id="rId2"/>
+    <p:sldId id="258" r:id="rId3"/>
   </p:sldIdLst>
   <p:sldSz cx="12192000" cy="6858000"/>
   <p:notesSz cx="6858000" cy="9144000"/>
@@ -104,7 +108,362 @@
       </a:defRPr>
     </a:lvl9pPr>
   </p:defaultTextStyle>
+  <p:extLst>
+    <p:ext uri="{EFAFB233-063F-42B5-8137-9DF3F51BA10A}">
+      <p15:sldGuideLst xmlns:p15="http://schemas.microsoft.com/office/powerpoint/2012/main"/>
+    </p:ext>
+  </p:extLst>
 </p:presentation>
+</file>
+
+<file path=ppt/notesMasters/notesMaster1.xml><?xml version="1.0" encoding="utf-8"?>
+<p:notesMaster xmlns:a="http://schemas.openxmlformats.org/drawingml/2006/main" xmlns:r="http://schemas.openxmlformats.org/officeDocument/2006/relationships" xmlns:p="http://schemas.openxmlformats.org/presentationml/2006/main">
+  <p:cSld>
+    <p:bg>
+      <p:bgRef idx="1001">
+        <a:schemeClr val="bg1"/>
+      </p:bgRef>
+    </p:bg>
+    <p:spTree>
+      <p:nvGrpSpPr>
+        <p:cNvPr id="1" name=""/>
+        <p:cNvGrpSpPr/>
+        <p:nvPr/>
+      </p:nvGrpSpPr>
+      <p:grpSpPr>
+        <a:xfrm>
+          <a:off x="0" y="0"/>
+          <a:ext cx="0" cy="0"/>
+          <a:chOff x="0" y="0"/>
+          <a:chExt cx="0" cy="0"/>
+        </a:xfrm>
+      </p:grpSpPr>
+      <p:sp>
+        <p:nvSpPr>
+          <p:cNvPr id="2" name="页眉占位符 1"/>
+          <p:cNvSpPr>
+            <a:spLocks noGrp="1"/>
+          </p:cNvSpPr>
+          <p:nvPr>
+            <p:ph type="hdr" sz="quarter"/>
+          </p:nvPr>
+        </p:nvSpPr>
+        <p:spPr>
+          <a:xfrm>
+            <a:off x="0" y="0"/>
+            <a:ext cx="2971800" cy="458788"/>
+          </a:xfrm>
+          <a:prstGeom prst="rect">
+            <a:avLst/>
+          </a:prstGeom>
+        </p:spPr>
+        <p:txBody>
+          <a:bodyPr vert="horz" lIns="91440" tIns="45720" rIns="91440" bIns="45720" rtlCol="0"/>
+          <a:lstStyle>
+            <a:lvl1pPr algn="l">
+              <a:defRPr sz="1200"/>
+            </a:lvl1pPr>
+          </a:lstStyle>
+          <a:p>
+            <a:endParaRPr kumimoji="1" lang="zh-CN" altLang="en-US"/>
+          </a:p>
+        </p:txBody>
+      </p:sp>
+      <p:sp>
+        <p:nvSpPr>
+          <p:cNvPr id="3" name="日期占位符 2"/>
+          <p:cNvSpPr>
+            <a:spLocks noGrp="1"/>
+          </p:cNvSpPr>
+          <p:nvPr>
+            <p:ph type="dt" idx="1"/>
+          </p:nvPr>
+        </p:nvSpPr>
+        <p:spPr>
+          <a:xfrm>
+            <a:off x="3884613" y="0"/>
+            <a:ext cx="2971800" cy="458788"/>
+          </a:xfrm>
+          <a:prstGeom prst="rect">
+            <a:avLst/>
+          </a:prstGeom>
+        </p:spPr>
+        <p:txBody>
+          <a:bodyPr vert="horz" lIns="91440" tIns="45720" rIns="91440" bIns="45720" rtlCol="0"/>
+          <a:lstStyle>
+            <a:lvl1pPr algn="r">
+              <a:defRPr sz="1200"/>
+            </a:lvl1pPr>
+          </a:lstStyle>
+          <a:p>
+            <a:fld id="{295CC0A1-56B6-6C44-83E6-ED49E8558C0F}" type="datetimeFigureOut">
+              <a:rPr kumimoji="1" lang="zh-CN" altLang="en-US" smtClean="0"/>
+              <a:t>2019/2/27</a:t>
+            </a:fld>
+            <a:endParaRPr kumimoji="1" lang="zh-CN" altLang="en-US"/>
+          </a:p>
+        </p:txBody>
+      </p:sp>
+      <p:sp>
+        <p:nvSpPr>
+          <p:cNvPr id="4" name="幻灯片图像占位符 3"/>
+          <p:cNvSpPr>
+            <a:spLocks noGrp="1" noRot="1" noChangeAspect="1"/>
+          </p:cNvSpPr>
+          <p:nvPr>
+            <p:ph type="sldImg" idx="2"/>
+          </p:nvPr>
+        </p:nvSpPr>
+        <p:spPr>
+          <a:xfrm>
+            <a:off x="685800" y="1143000"/>
+            <a:ext cx="5486400" cy="3086100"/>
+          </a:xfrm>
+          <a:prstGeom prst="rect">
+            <a:avLst/>
+          </a:prstGeom>
+          <a:noFill/>
+          <a:ln w="12700">
+            <a:solidFill>
+              <a:prstClr val="black"/>
+            </a:solidFill>
+          </a:ln>
+        </p:spPr>
+        <p:txBody>
+          <a:bodyPr vert="horz" lIns="91440" tIns="45720" rIns="91440" bIns="45720" rtlCol="0" anchor="ctr"/>
+          <a:lstStyle/>
+          <a:p>
+            <a:endParaRPr lang="zh-CN" altLang="en-US"/>
+          </a:p>
+        </p:txBody>
+      </p:sp>
+      <p:sp>
+        <p:nvSpPr>
+          <p:cNvPr id="5" name="备注占位符 4"/>
+          <p:cNvSpPr>
+            <a:spLocks noGrp="1"/>
+          </p:cNvSpPr>
+          <p:nvPr>
+            <p:ph type="body" sz="quarter" idx="3"/>
+          </p:nvPr>
+        </p:nvSpPr>
+        <p:spPr>
+          <a:xfrm>
+            <a:off x="685800" y="4400550"/>
+            <a:ext cx="5486400" cy="3600450"/>
+          </a:xfrm>
+          <a:prstGeom prst="rect">
+            <a:avLst/>
+          </a:prstGeom>
+        </p:spPr>
+        <p:txBody>
+          <a:bodyPr vert="horz" lIns="91440" tIns="45720" rIns="91440" bIns="45720" rtlCol="0"/>
+          <a:lstStyle/>
+          <a:p>
+            <a:pPr lvl="0"/>
+            <a:r>
+              <a:rPr kumimoji="1" lang="zh-CN" altLang="en-US" smtClean="0"/>
+              <a:t>单击此处编辑母版文本样式</a:t>
+            </a:r>
+          </a:p>
+          <a:p>
+            <a:pPr lvl="1"/>
+            <a:r>
+              <a:rPr kumimoji="1" lang="zh-CN" altLang="en-US" smtClean="0"/>
+              <a:t>二级</a:t>
+            </a:r>
+          </a:p>
+          <a:p>
+            <a:pPr lvl="2"/>
+            <a:r>
+              <a:rPr kumimoji="1" lang="zh-CN" altLang="en-US" smtClean="0"/>
+              <a:t>三级</a:t>
+            </a:r>
+          </a:p>
+          <a:p>
+            <a:pPr lvl="3"/>
+            <a:r>
+              <a:rPr kumimoji="1" lang="zh-CN" altLang="en-US" smtClean="0"/>
+              <a:t>四级</a:t>
+            </a:r>
+          </a:p>
+          <a:p>
+            <a:pPr lvl="4"/>
+            <a:r>
+              <a:rPr kumimoji="1" lang="zh-CN" altLang="en-US" smtClean="0"/>
+              <a:t>五级</a:t>
+            </a:r>
+            <a:endParaRPr kumimoji="1" lang="zh-CN" altLang="en-US"/>
+          </a:p>
+        </p:txBody>
+      </p:sp>
+      <p:sp>
+        <p:nvSpPr>
+          <p:cNvPr id="6" name="页脚占位符 5"/>
+          <p:cNvSpPr>
+            <a:spLocks noGrp="1"/>
+          </p:cNvSpPr>
+          <p:nvPr>
+            <p:ph type="ftr" sz="quarter" idx="4"/>
+          </p:nvPr>
+        </p:nvSpPr>
+        <p:spPr>
+          <a:xfrm>
+            <a:off x="0" y="8685213"/>
+            <a:ext cx="2971800" cy="458787"/>
+          </a:xfrm>
+          <a:prstGeom prst="rect">
+            <a:avLst/>
+          </a:prstGeom>
+        </p:spPr>
+        <p:txBody>
+          <a:bodyPr vert="horz" lIns="91440" tIns="45720" rIns="91440" bIns="45720" rtlCol="0" anchor="b"/>
+          <a:lstStyle>
+            <a:lvl1pPr algn="l">
+              <a:defRPr sz="1200"/>
+            </a:lvl1pPr>
+          </a:lstStyle>
+          <a:p>
+            <a:endParaRPr kumimoji="1" lang="zh-CN" altLang="en-US"/>
+          </a:p>
+        </p:txBody>
+      </p:sp>
+      <p:sp>
+        <p:nvSpPr>
+          <p:cNvPr id="7" name="幻灯片编号占位符 6"/>
+          <p:cNvSpPr>
+            <a:spLocks noGrp="1"/>
+          </p:cNvSpPr>
+          <p:nvPr>
+            <p:ph type="sldNum" sz="quarter" idx="5"/>
+          </p:nvPr>
+        </p:nvSpPr>
+        <p:spPr>
+          <a:xfrm>
+            <a:off x="3884613" y="8685213"/>
+            <a:ext cx="2971800" cy="458787"/>
+          </a:xfrm>
+          <a:prstGeom prst="rect">
+            <a:avLst/>
+          </a:prstGeom>
+        </p:spPr>
+        <p:txBody>
+          <a:bodyPr vert="horz" lIns="91440" tIns="45720" rIns="91440" bIns="45720" rtlCol="0" anchor="b"/>
+          <a:lstStyle>
+            <a:lvl1pPr algn="r">
+              <a:defRPr sz="1200"/>
+            </a:lvl1pPr>
+          </a:lstStyle>
+          <a:p>
+            <a:fld id="{143EE28A-9F4D-1147-A5EB-79E7150436CB}" type="slidenum">
+              <a:rPr kumimoji="1" lang="zh-CN" altLang="en-US" smtClean="0"/>
+              <a:t>‹#›</a:t>
+            </a:fld>
+            <a:endParaRPr kumimoji="1" lang="zh-CN" altLang="en-US"/>
+          </a:p>
+        </p:txBody>
+      </p:sp>
+    </p:spTree>
+    <p:extLst>
+      <p:ext uri="{BB962C8B-B14F-4D97-AF65-F5344CB8AC3E}">
+        <p14:creationId xmlns:p14="http://schemas.microsoft.com/office/powerpoint/2010/main" val="24534596"/>
+      </p:ext>
+    </p:extLst>
+  </p:cSld>
+  <p:clrMap bg1="lt1" tx1="dk1" bg2="lt2" tx2="dk2" accent1="accent1" accent2="accent2" accent3="accent3" accent4="accent4" accent5="accent5" accent6="accent6" hlink="hlink" folHlink="folHlink"/>
+  <p:notesStyle>
+    <a:lvl1pPr marL="0" algn="l" defTabSz="914400" rtl="0" eaLnBrk="1" latinLnBrk="0" hangingPunct="1">
+      <a:defRPr sz="1200" kern="1200">
+        <a:solidFill>
+          <a:schemeClr val="tx1"/>
+        </a:solidFill>
+        <a:latin typeface="+mn-lt"/>
+        <a:ea typeface="+mn-ea"/>
+        <a:cs typeface="+mn-cs"/>
+      </a:defRPr>
+    </a:lvl1pPr>
+    <a:lvl2pPr marL="457200" algn="l" defTabSz="914400" rtl="0" eaLnBrk="1" latinLnBrk="0" hangingPunct="1">
+      <a:defRPr sz="1200" kern="1200">
+        <a:solidFill>
+          <a:schemeClr val="tx1"/>
+        </a:solidFill>
+        <a:latin typeface="+mn-lt"/>
+        <a:ea typeface="+mn-ea"/>
+        <a:cs typeface="+mn-cs"/>
+      </a:defRPr>
+    </a:lvl2pPr>
+    <a:lvl3pPr marL="914400" algn="l" defTabSz="914400" rtl="0" eaLnBrk="1" latinLnBrk="0" hangingPunct="1">
+      <a:defRPr sz="1200" kern="1200">
+        <a:solidFill>
+          <a:schemeClr val="tx1"/>
+        </a:solidFill>
+        <a:latin typeface="+mn-lt"/>
+        <a:ea typeface="+mn-ea"/>
+        <a:cs typeface="+mn-cs"/>
+      </a:defRPr>
+    </a:lvl3pPr>
+    <a:lvl4pPr marL="1371600" algn="l" defTabSz="914400" rtl="0" eaLnBrk="1" latinLnBrk="0" hangingPunct="1">
+      <a:defRPr sz="1200" kern="1200">
+        <a:solidFill>
+          <a:schemeClr val="tx1"/>
+        </a:solidFill>
+        <a:latin typeface="+mn-lt"/>
+        <a:ea typeface="+mn-ea"/>
+        <a:cs typeface="+mn-cs"/>
+      </a:defRPr>
+    </a:lvl4pPr>
+    <a:lvl5pPr marL="1828800" algn="l" defTabSz="914400" rtl="0" eaLnBrk="1" latinLnBrk="0" hangingPunct="1">
+      <a:defRPr sz="1200" kern="1200">
+        <a:solidFill>
+          <a:schemeClr val="tx1"/>
+        </a:solidFill>
+        <a:latin typeface="+mn-lt"/>
+        <a:ea typeface="+mn-ea"/>
+        <a:cs typeface="+mn-cs"/>
+      </a:defRPr>
+    </a:lvl5pPr>
+    <a:lvl6pPr marL="2286000" algn="l" defTabSz="914400" rtl="0" eaLnBrk="1" latinLnBrk="0" hangingPunct="1">
+      <a:defRPr sz="1200" kern="1200">
+        <a:solidFill>
+          <a:schemeClr val="tx1"/>
+        </a:solidFill>
+        <a:latin typeface="+mn-lt"/>
+        <a:ea typeface="+mn-ea"/>
+        <a:cs typeface="+mn-cs"/>
+      </a:defRPr>
+    </a:lvl6pPr>
+    <a:lvl7pPr marL="2743200" algn="l" defTabSz="914400" rtl="0" eaLnBrk="1" latinLnBrk="0" hangingPunct="1">
+      <a:defRPr sz="1200" kern="1200">
+        <a:solidFill>
+          <a:schemeClr val="tx1"/>
+        </a:solidFill>
+        <a:latin typeface="+mn-lt"/>
+        <a:ea typeface="+mn-ea"/>
+        <a:cs typeface="+mn-cs"/>
+      </a:defRPr>
+    </a:lvl7pPr>
+    <a:lvl8pPr marL="3200400" algn="l" defTabSz="914400" rtl="0" eaLnBrk="1" latinLnBrk="0" hangingPunct="1">
+      <a:defRPr sz="1200" kern="1200">
+        <a:solidFill>
+          <a:schemeClr val="tx1"/>
+        </a:solidFill>
+        <a:latin typeface="+mn-lt"/>
+        <a:ea typeface="+mn-ea"/>
+        <a:cs typeface="+mn-cs"/>
+      </a:defRPr>
+    </a:lvl8pPr>
+    <a:lvl9pPr marL="3657600" algn="l" defTabSz="914400" rtl="0" eaLnBrk="1" latinLnBrk="0" hangingPunct="1">
+      <a:defRPr sz="1200" kern="1200">
+        <a:solidFill>
+          <a:schemeClr val="tx1"/>
+        </a:solidFill>
+        <a:latin typeface="+mn-lt"/>
+        <a:ea typeface="+mn-ea"/>
+        <a:cs typeface="+mn-cs"/>
+      </a:defRPr>
+    </a:lvl9pPr>
+  </p:notesStyle>
+</p:notesMaster>
 </file>
 
 <file path=ppt/slideLayouts/slideLayout1.xml><?xml version="1.0" encoding="utf-8"?>
@@ -238,7 +597,7 @@
           <a:p>
             <a:fld id="{D80FA608-D50B-C84A-A00F-1B4CAB027F8E}" type="datetimeFigureOut">
               <a:rPr kumimoji="1" lang="zh-CN" altLang="en-US" smtClean="0"/>
-              <a:t>2019/2/19</a:t>
+              <a:t>2019/2/27</a:t>
             </a:fld>
             <a:endParaRPr kumimoji="1" lang="zh-CN" altLang="en-US"/>
           </a:p>
@@ -408,7 +767,7 @@
           <a:p>
             <a:fld id="{D80FA608-D50B-C84A-A00F-1B4CAB027F8E}" type="datetimeFigureOut">
               <a:rPr kumimoji="1" lang="zh-CN" altLang="en-US" smtClean="0"/>
-              <a:t>2019/2/19</a:t>
+              <a:t>2019/2/27</a:t>
             </a:fld>
             <a:endParaRPr kumimoji="1" lang="zh-CN" altLang="en-US"/>
           </a:p>
@@ -588,7 +947,7 @@
           <a:p>
             <a:fld id="{D80FA608-D50B-C84A-A00F-1B4CAB027F8E}" type="datetimeFigureOut">
               <a:rPr kumimoji="1" lang="zh-CN" altLang="en-US" smtClean="0"/>
-              <a:t>2019/2/19</a:t>
+              <a:t>2019/2/27</a:t>
             </a:fld>
             <a:endParaRPr kumimoji="1" lang="zh-CN" altLang="en-US"/>
           </a:p>
@@ -758,7 +1117,7 @@
           <a:p>
             <a:fld id="{D80FA608-D50B-C84A-A00F-1B4CAB027F8E}" type="datetimeFigureOut">
               <a:rPr kumimoji="1" lang="zh-CN" altLang="en-US" smtClean="0"/>
-              <a:t>2019/2/19</a:t>
+              <a:t>2019/2/27</a:t>
             </a:fld>
             <a:endParaRPr kumimoji="1" lang="zh-CN" altLang="en-US"/>
           </a:p>
@@ -1004,7 +1363,7 @@
           <a:p>
             <a:fld id="{D80FA608-D50B-C84A-A00F-1B4CAB027F8E}" type="datetimeFigureOut">
               <a:rPr kumimoji="1" lang="zh-CN" altLang="en-US" smtClean="0"/>
-              <a:t>2019/2/19</a:t>
+              <a:t>2019/2/27</a:t>
             </a:fld>
             <a:endParaRPr kumimoji="1" lang="zh-CN" altLang="en-US"/>
           </a:p>
@@ -1236,7 +1595,7 @@
           <a:p>
             <a:fld id="{D80FA608-D50B-C84A-A00F-1B4CAB027F8E}" type="datetimeFigureOut">
               <a:rPr kumimoji="1" lang="zh-CN" altLang="en-US" smtClean="0"/>
-              <a:t>2019/2/19</a:t>
+              <a:t>2019/2/27</a:t>
             </a:fld>
             <a:endParaRPr kumimoji="1" lang="zh-CN" altLang="en-US"/>
           </a:p>
@@ -1603,7 +1962,7 @@
           <a:p>
             <a:fld id="{D80FA608-D50B-C84A-A00F-1B4CAB027F8E}" type="datetimeFigureOut">
               <a:rPr kumimoji="1" lang="zh-CN" altLang="en-US" smtClean="0"/>
-              <a:t>2019/2/19</a:t>
+              <a:t>2019/2/27</a:t>
             </a:fld>
             <a:endParaRPr kumimoji="1" lang="zh-CN" altLang="en-US"/>
           </a:p>
@@ -1721,7 +2080,7 @@
           <a:p>
             <a:fld id="{D80FA608-D50B-C84A-A00F-1B4CAB027F8E}" type="datetimeFigureOut">
               <a:rPr kumimoji="1" lang="zh-CN" altLang="en-US" smtClean="0"/>
-              <a:t>2019/2/19</a:t>
+              <a:t>2019/2/27</a:t>
             </a:fld>
             <a:endParaRPr kumimoji="1" lang="zh-CN" altLang="en-US"/>
           </a:p>
@@ -1816,7 +2175,7 @@
           <a:p>
             <a:fld id="{D80FA608-D50B-C84A-A00F-1B4CAB027F8E}" type="datetimeFigureOut">
               <a:rPr kumimoji="1" lang="zh-CN" altLang="en-US" smtClean="0"/>
-              <a:t>2019/2/19</a:t>
+              <a:t>2019/2/27</a:t>
             </a:fld>
             <a:endParaRPr kumimoji="1" lang="zh-CN" altLang="en-US"/>
           </a:p>
@@ -2093,7 +2452,7 @@
           <a:p>
             <a:fld id="{D80FA608-D50B-C84A-A00F-1B4CAB027F8E}" type="datetimeFigureOut">
               <a:rPr kumimoji="1" lang="zh-CN" altLang="en-US" smtClean="0"/>
-              <a:t>2019/2/19</a:t>
+              <a:t>2019/2/27</a:t>
             </a:fld>
             <a:endParaRPr kumimoji="1" lang="zh-CN" altLang="en-US"/>
           </a:p>
@@ -2346,7 +2705,7 @@
           <a:p>
             <a:fld id="{D80FA608-D50B-C84A-A00F-1B4CAB027F8E}" type="datetimeFigureOut">
               <a:rPr kumimoji="1" lang="zh-CN" altLang="en-US" smtClean="0"/>
-              <a:t>2019/2/19</a:t>
+              <a:t>2019/2/27</a:t>
             </a:fld>
             <a:endParaRPr kumimoji="1" lang="zh-CN" altLang="en-US"/>
           </a:p>
@@ -2559,7 +2918,7 @@
           <a:p>
             <a:fld id="{D80FA608-D50B-C84A-A00F-1B4CAB027F8E}" type="datetimeFigureOut">
               <a:rPr kumimoji="1" lang="zh-CN" altLang="en-US" smtClean="0"/>
-              <a:t>2019/2/19</a:t>
+              <a:t>2019/2/27</a:t>
             </a:fld>
             <a:endParaRPr kumimoji="1" lang="zh-CN" altLang="en-US"/>
           </a:p>
@@ -3273,11 +3632,6 @@
               </a:rPr>
               <a:t>Available Bandwidth Prediction</a:t>
             </a:r>
-            <a:endParaRPr kumimoji="1" lang="en-US" altLang="zh-CN" sz="1600" b="1" dirty="0" smtClean="0">
-              <a:latin typeface="Arial" charset="0"/>
-              <a:ea typeface="Arial" charset="0"/>
-              <a:cs typeface="Arial" charset="0"/>
-            </a:endParaRPr>
           </a:p>
         </p:txBody>
       </p:sp>
@@ -3865,6 +4219,824 @@
     <p:extLst>
       <p:ext uri="{BB962C8B-B14F-4D97-AF65-F5344CB8AC3E}">
         <p14:creationId xmlns:p14="http://schemas.microsoft.com/office/powerpoint/2010/main" val="19137822"/>
+      </p:ext>
+    </p:extLst>
+  </p:cSld>
+  <p:clrMapOvr>
+    <a:masterClrMapping/>
+  </p:clrMapOvr>
+</p:sld>
+</file>
+
+<file path=ppt/slides/slide2.xml><?xml version="1.0" encoding="utf-8"?>
+<p:sld xmlns:a="http://schemas.openxmlformats.org/drawingml/2006/main" xmlns:r="http://schemas.openxmlformats.org/officeDocument/2006/relationships" xmlns:p="http://schemas.openxmlformats.org/presentationml/2006/main">
+  <p:cSld>
+    <p:spTree>
+      <p:nvGrpSpPr>
+        <p:cNvPr id="1" name=""/>
+        <p:cNvGrpSpPr/>
+        <p:nvPr/>
+      </p:nvGrpSpPr>
+      <p:grpSpPr>
+        <a:xfrm>
+          <a:off x="0" y="0"/>
+          <a:ext cx="0" cy="0"/>
+          <a:chOff x="0" y="0"/>
+          <a:chExt cx="0" cy="0"/>
+        </a:xfrm>
+      </p:grpSpPr>
+      <p:sp>
+        <p:nvSpPr>
+          <p:cNvPr id="51" name="矩形 50"/>
+          <p:cNvSpPr/>
+          <p:nvPr/>
+        </p:nvSpPr>
+        <p:spPr>
+          <a:xfrm>
+            <a:off x="2727960" y="1453573"/>
+            <a:ext cx="6168822" cy="1823027"/>
+          </a:xfrm>
+          <a:prstGeom prst="rect">
+            <a:avLst/>
+          </a:prstGeom>
+          <a:solidFill>
+            <a:schemeClr val="bg1"/>
+          </a:solidFill>
+          <a:ln>
+            <a:solidFill>
+              <a:schemeClr val="tx1"/>
+            </a:solidFill>
+          </a:ln>
+        </p:spPr>
+        <p:style>
+          <a:lnRef idx="2">
+            <a:schemeClr val="accent1">
+              <a:shade val="50000"/>
+            </a:schemeClr>
+          </a:lnRef>
+          <a:fillRef idx="1">
+            <a:schemeClr val="accent1"/>
+          </a:fillRef>
+          <a:effectRef idx="0">
+            <a:schemeClr val="accent1"/>
+          </a:effectRef>
+          <a:fontRef idx="minor">
+            <a:schemeClr val="lt1"/>
+          </a:fontRef>
+        </p:style>
+        <p:txBody>
+          <a:bodyPr rtlCol="0" anchor="ctr"/>
+          <a:lstStyle/>
+          <a:p>
+            <a:pPr algn="ctr"/>
+            <a:endParaRPr kumimoji="1" lang="zh-CN" altLang="en-US"/>
+          </a:p>
+        </p:txBody>
+      </p:sp>
+      <p:sp>
+        <p:nvSpPr>
+          <p:cNvPr id="9" name="文本框 8"/>
+          <p:cNvSpPr txBox="1"/>
+          <p:nvPr/>
+        </p:nvSpPr>
+        <p:spPr>
+          <a:xfrm>
+            <a:off x="4408945" y="1429186"/>
+            <a:ext cx="2860235" cy="369332"/>
+          </a:xfrm>
+          <a:prstGeom prst="rect">
+            <a:avLst/>
+          </a:prstGeom>
+          <a:noFill/>
+        </p:spPr>
+        <p:txBody>
+          <a:bodyPr wrap="square" rtlCol="0">
+            <a:spAutoFit/>
+          </a:bodyPr>
+          <a:lstStyle/>
+          <a:p>
+            <a:pPr algn="ctr"/>
+            <a:r>
+              <a:rPr kumimoji="1" lang="en-US" altLang="zh-CN" b="1" dirty="0">
+                <a:latin typeface="Arial" charset="0"/>
+                <a:ea typeface="Arial" charset="0"/>
+                <a:cs typeface="Arial" charset="0"/>
+              </a:rPr>
+              <a:t>Agent</a:t>
+            </a:r>
+          </a:p>
+        </p:txBody>
+      </p:sp>
+      <p:sp>
+        <p:nvSpPr>
+          <p:cNvPr id="12" name="矩形 11"/>
+          <p:cNvSpPr/>
+          <p:nvPr/>
+        </p:nvSpPr>
+        <p:spPr>
+          <a:xfrm>
+            <a:off x="5149506" y="1814821"/>
+            <a:ext cx="1552290" cy="523588"/>
+          </a:xfrm>
+          <a:prstGeom prst="rect">
+            <a:avLst/>
+          </a:prstGeom>
+          <a:solidFill>
+            <a:schemeClr val="bg1"/>
+          </a:solidFill>
+          <a:ln>
+            <a:solidFill>
+              <a:schemeClr val="tx1"/>
+            </a:solidFill>
+          </a:ln>
+        </p:spPr>
+        <p:style>
+          <a:lnRef idx="2">
+            <a:schemeClr val="accent1">
+              <a:shade val="50000"/>
+            </a:schemeClr>
+          </a:lnRef>
+          <a:fillRef idx="1">
+            <a:schemeClr val="accent1"/>
+          </a:fillRef>
+          <a:effectRef idx="0">
+            <a:schemeClr val="accent1"/>
+          </a:effectRef>
+          <a:fontRef idx="minor">
+            <a:schemeClr val="lt1"/>
+          </a:fontRef>
+        </p:style>
+        <p:txBody>
+          <a:bodyPr rtlCol="0" anchor="ctr"/>
+          <a:lstStyle/>
+          <a:p>
+            <a:pPr algn="ctr"/>
+            <a:endParaRPr kumimoji="1" lang="zh-CN" altLang="en-US">
+              <a:latin typeface="Arial" charset="0"/>
+              <a:ea typeface="Arial" charset="0"/>
+              <a:cs typeface="Arial" charset="0"/>
+            </a:endParaRPr>
+          </a:p>
+        </p:txBody>
+      </p:sp>
+      <p:cxnSp>
+        <p:nvCxnSpPr>
+          <p:cNvPr id="19" name="直线箭头连接符 18"/>
+          <p:cNvCxnSpPr>
+            <a:stCxn id="12" idx="2"/>
+          </p:cNvCxnSpPr>
+          <p:nvPr/>
+        </p:nvCxnSpPr>
+        <p:spPr>
+          <a:xfrm>
+            <a:off x="5925651" y="2338409"/>
+            <a:ext cx="0" cy="292868"/>
+          </a:xfrm>
+          <a:prstGeom prst="straightConnector1">
+            <a:avLst/>
+          </a:prstGeom>
+          <a:ln>
+            <a:solidFill>
+              <a:schemeClr val="tx1"/>
+            </a:solidFill>
+            <a:headEnd type="none" w="med" len="med"/>
+            <a:tailEnd type="arrow" w="med" len="med"/>
+          </a:ln>
+        </p:spPr>
+        <p:style>
+          <a:lnRef idx="1">
+            <a:schemeClr val="accent1"/>
+          </a:lnRef>
+          <a:fillRef idx="0">
+            <a:schemeClr val="accent1"/>
+          </a:fillRef>
+          <a:effectRef idx="0">
+            <a:schemeClr val="accent1"/>
+          </a:effectRef>
+          <a:fontRef idx="minor">
+            <a:schemeClr val="tx1"/>
+          </a:fontRef>
+        </p:style>
+      </p:cxnSp>
+      <p:sp>
+        <p:nvSpPr>
+          <p:cNvPr id="24" name="文本框 23"/>
+          <p:cNvSpPr txBox="1"/>
+          <p:nvPr/>
+        </p:nvSpPr>
+        <p:spPr>
+          <a:xfrm>
+            <a:off x="5939457" y="2322735"/>
+            <a:ext cx="1079142" cy="307777"/>
+          </a:xfrm>
+          <a:prstGeom prst="rect">
+            <a:avLst/>
+          </a:prstGeom>
+          <a:noFill/>
+        </p:spPr>
+        <p:txBody>
+          <a:bodyPr wrap="none" rtlCol="0">
+            <a:spAutoFit/>
+          </a:bodyPr>
+          <a:lstStyle/>
+          <a:p>
+            <a:r>
+              <a:rPr kumimoji="1" lang="en-US" altLang="zh-CN" sz="1400" dirty="0">
+                <a:ea typeface="Arial" charset="0"/>
+                <a:cs typeface="Arial" charset="0"/>
+              </a:rPr>
+              <a:t>reconfigure</a:t>
+            </a:r>
+            <a:endParaRPr kumimoji="1" lang="zh-CN" altLang="en-US" sz="1400" dirty="0">
+              <a:ea typeface="Arial" charset="0"/>
+              <a:cs typeface="Arial" charset="0"/>
+            </a:endParaRPr>
+          </a:p>
+        </p:txBody>
+      </p:sp>
+      <p:sp>
+        <p:nvSpPr>
+          <p:cNvPr id="27" name="矩形 26"/>
+          <p:cNvSpPr/>
+          <p:nvPr/>
+        </p:nvSpPr>
+        <p:spPr>
+          <a:xfrm>
+            <a:off x="9164901" y="2211137"/>
+            <a:ext cx="1265025" cy="450377"/>
+          </a:xfrm>
+          <a:prstGeom prst="rect">
+            <a:avLst/>
+          </a:prstGeom>
+          <a:solidFill>
+            <a:schemeClr val="bg1"/>
+          </a:solidFill>
+          <a:ln>
+            <a:solidFill>
+              <a:schemeClr val="tx1"/>
+            </a:solidFill>
+          </a:ln>
+        </p:spPr>
+        <p:style>
+          <a:lnRef idx="2">
+            <a:schemeClr val="accent1">
+              <a:shade val="50000"/>
+            </a:schemeClr>
+          </a:lnRef>
+          <a:fillRef idx="1">
+            <a:schemeClr val="accent1"/>
+          </a:fillRef>
+          <a:effectRef idx="0">
+            <a:schemeClr val="accent1"/>
+          </a:effectRef>
+          <a:fontRef idx="minor">
+            <a:schemeClr val="lt1"/>
+          </a:fontRef>
+        </p:style>
+        <p:txBody>
+          <a:bodyPr rtlCol="0" anchor="ctr"/>
+          <a:lstStyle/>
+          <a:p>
+            <a:pPr algn="ctr"/>
+            <a:endParaRPr kumimoji="1" lang="zh-CN" altLang="en-US">
+              <a:latin typeface="Arial" charset="0"/>
+              <a:ea typeface="Arial" charset="0"/>
+              <a:cs typeface="Arial" charset="0"/>
+            </a:endParaRPr>
+          </a:p>
+        </p:txBody>
+      </p:sp>
+      <p:sp>
+        <p:nvSpPr>
+          <p:cNvPr id="28" name="文本框 27"/>
+          <p:cNvSpPr txBox="1"/>
+          <p:nvPr/>
+        </p:nvSpPr>
+        <p:spPr>
+          <a:xfrm>
+            <a:off x="9176457" y="2251659"/>
+            <a:ext cx="1287532" cy="369332"/>
+          </a:xfrm>
+          <a:prstGeom prst="rect">
+            <a:avLst/>
+          </a:prstGeom>
+          <a:noFill/>
+        </p:spPr>
+        <p:txBody>
+          <a:bodyPr wrap="none" rtlCol="0">
+            <a:spAutoFit/>
+          </a:bodyPr>
+          <a:lstStyle/>
+          <a:p>
+            <a:r>
+              <a:rPr kumimoji="1" lang="en-US" altLang="zh-CN" b="1" dirty="0" smtClean="0">
+                <a:latin typeface="Arial" charset="0"/>
+                <a:ea typeface="Arial" charset="0"/>
+                <a:cs typeface="Arial" charset="0"/>
+              </a:rPr>
+              <a:t>Controller</a:t>
+            </a:r>
+            <a:endParaRPr kumimoji="1" lang="zh-CN" altLang="en-US" b="1" dirty="0">
+              <a:latin typeface="Arial" charset="0"/>
+              <a:ea typeface="Arial" charset="0"/>
+              <a:cs typeface="Arial" charset="0"/>
+            </a:endParaRPr>
+          </a:p>
+        </p:txBody>
+      </p:sp>
+      <p:sp>
+        <p:nvSpPr>
+          <p:cNvPr id="40" name="矩形 39"/>
+          <p:cNvSpPr/>
+          <p:nvPr/>
+        </p:nvSpPr>
+        <p:spPr>
+          <a:xfrm>
+            <a:off x="5290183" y="1820987"/>
+            <a:ext cx="1463377" cy="584775"/>
+          </a:xfrm>
+          <a:prstGeom prst="rect">
+            <a:avLst/>
+          </a:prstGeom>
+        </p:spPr>
+        <p:txBody>
+          <a:bodyPr wrap="square">
+            <a:spAutoFit/>
+          </a:bodyPr>
+          <a:lstStyle/>
+          <a:p>
+            <a:r>
+              <a:rPr kumimoji="1" lang="en-US" altLang="zh-CN" sz="1600" dirty="0" smtClean="0">
+                <a:ea typeface="Arial" charset="0"/>
+                <a:cs typeface="Arial" charset="0"/>
+              </a:rPr>
+              <a:t>Change Point Detection</a:t>
+            </a:r>
+            <a:endParaRPr kumimoji="1" lang="zh-CN" altLang="en-US" sz="1600" dirty="0">
+              <a:ea typeface="Arial" charset="0"/>
+              <a:cs typeface="Arial" charset="0"/>
+            </a:endParaRPr>
+          </a:p>
+        </p:txBody>
+      </p:sp>
+      <p:sp>
+        <p:nvSpPr>
+          <p:cNvPr id="20" name="矩形 19"/>
+          <p:cNvSpPr/>
+          <p:nvPr/>
+        </p:nvSpPr>
+        <p:spPr>
+          <a:xfrm>
+            <a:off x="2851216" y="2180135"/>
+            <a:ext cx="964345" cy="609416"/>
+          </a:xfrm>
+          <a:prstGeom prst="rect">
+            <a:avLst/>
+          </a:prstGeom>
+          <a:solidFill>
+            <a:schemeClr val="bg1"/>
+          </a:solidFill>
+          <a:ln>
+            <a:solidFill>
+              <a:schemeClr val="tx1"/>
+            </a:solidFill>
+          </a:ln>
+        </p:spPr>
+        <p:style>
+          <a:lnRef idx="2">
+            <a:schemeClr val="accent1">
+              <a:shade val="50000"/>
+            </a:schemeClr>
+          </a:lnRef>
+          <a:fillRef idx="1">
+            <a:schemeClr val="accent1"/>
+          </a:fillRef>
+          <a:effectRef idx="0">
+            <a:schemeClr val="accent1"/>
+          </a:effectRef>
+          <a:fontRef idx="minor">
+            <a:schemeClr val="lt1"/>
+          </a:fontRef>
+        </p:style>
+        <p:txBody>
+          <a:bodyPr rtlCol="0" anchor="ctr"/>
+          <a:lstStyle/>
+          <a:p>
+            <a:pPr algn="ctr"/>
+            <a:r>
+              <a:rPr kumimoji="1" lang="en-US" altLang="zh-CN" sz="1600" dirty="0" smtClean="0">
+                <a:solidFill>
+                  <a:schemeClr val="tx1"/>
+                </a:solidFill>
+                <a:ea typeface="Arial" charset="0"/>
+                <a:cs typeface="Arial" charset="0"/>
+              </a:rPr>
+              <a:t>Network monitor </a:t>
+            </a:r>
+            <a:endParaRPr kumimoji="1" lang="zh-CN" altLang="en-US" sz="1600" dirty="0">
+              <a:solidFill>
+                <a:schemeClr val="tx1"/>
+              </a:solidFill>
+              <a:ea typeface="Arial" charset="0"/>
+              <a:cs typeface="Arial" charset="0"/>
+            </a:endParaRPr>
+          </a:p>
+        </p:txBody>
+      </p:sp>
+      <p:cxnSp>
+        <p:nvCxnSpPr>
+          <p:cNvPr id="17" name="肘形连接符 16"/>
+          <p:cNvCxnSpPr>
+            <a:stCxn id="20" idx="3"/>
+            <a:endCxn id="12" idx="1"/>
+          </p:cNvCxnSpPr>
+          <p:nvPr/>
+        </p:nvCxnSpPr>
+        <p:spPr>
+          <a:xfrm flipV="1">
+            <a:off x="3815561" y="2076615"/>
+            <a:ext cx="1333945" cy="408228"/>
+          </a:xfrm>
+          <a:prstGeom prst="bentConnector3">
+            <a:avLst>
+              <a:gd name="adj1" fmla="val 78562"/>
+            </a:avLst>
+          </a:prstGeom>
+          <a:ln>
+            <a:solidFill>
+              <a:schemeClr val="tx1"/>
+            </a:solidFill>
+            <a:tailEnd type="arrow"/>
+          </a:ln>
+        </p:spPr>
+        <p:style>
+          <a:lnRef idx="1">
+            <a:schemeClr val="accent1"/>
+          </a:lnRef>
+          <a:fillRef idx="0">
+            <a:schemeClr val="accent1"/>
+          </a:fillRef>
+          <a:effectRef idx="0">
+            <a:schemeClr val="accent1"/>
+          </a:effectRef>
+          <a:fontRef idx="minor">
+            <a:schemeClr val="tx1"/>
+          </a:fontRef>
+        </p:style>
+      </p:cxnSp>
+      <p:cxnSp>
+        <p:nvCxnSpPr>
+          <p:cNvPr id="22" name="肘形连接符 21"/>
+          <p:cNvCxnSpPr>
+            <a:stCxn id="20" idx="3"/>
+            <a:endCxn id="38" idx="1"/>
+          </p:cNvCxnSpPr>
+          <p:nvPr/>
+        </p:nvCxnSpPr>
+        <p:spPr>
+          <a:xfrm>
+            <a:off x="3815561" y="2484843"/>
+            <a:ext cx="1333945" cy="408228"/>
+          </a:xfrm>
+          <a:prstGeom prst="bentConnector3">
+            <a:avLst>
+              <a:gd name="adj1" fmla="val 78562"/>
+            </a:avLst>
+          </a:prstGeom>
+          <a:ln>
+            <a:solidFill>
+              <a:schemeClr val="tx1"/>
+            </a:solidFill>
+            <a:tailEnd type="arrow"/>
+          </a:ln>
+        </p:spPr>
+        <p:style>
+          <a:lnRef idx="1">
+            <a:schemeClr val="accent1"/>
+          </a:lnRef>
+          <a:fillRef idx="0">
+            <a:schemeClr val="accent1"/>
+          </a:fillRef>
+          <a:effectRef idx="0">
+            <a:schemeClr val="accent1"/>
+          </a:effectRef>
+          <a:fontRef idx="minor">
+            <a:schemeClr val="tx1"/>
+          </a:fontRef>
+        </p:style>
+      </p:cxnSp>
+      <p:sp>
+        <p:nvSpPr>
+          <p:cNvPr id="3" name="圆角矩形 2"/>
+          <p:cNvSpPr/>
+          <p:nvPr/>
+        </p:nvSpPr>
+        <p:spPr>
+          <a:xfrm>
+            <a:off x="4073310" y="2240606"/>
+            <a:ext cx="668670" cy="488475"/>
+          </a:xfrm>
+          <a:prstGeom prst="roundRect">
+            <a:avLst/>
+          </a:prstGeom>
+          <a:solidFill>
+            <a:schemeClr val="bg1"/>
+          </a:solidFill>
+          <a:ln>
+            <a:solidFill>
+              <a:schemeClr val="tx1"/>
+            </a:solidFill>
+          </a:ln>
+        </p:spPr>
+        <p:style>
+          <a:lnRef idx="2">
+            <a:schemeClr val="accent1">
+              <a:shade val="50000"/>
+            </a:schemeClr>
+          </a:lnRef>
+          <a:fillRef idx="1">
+            <a:schemeClr val="accent1"/>
+          </a:fillRef>
+          <a:effectRef idx="0">
+            <a:schemeClr val="accent1"/>
+          </a:effectRef>
+          <a:fontRef idx="minor">
+            <a:schemeClr val="lt1"/>
+          </a:fontRef>
+        </p:style>
+        <p:txBody>
+          <a:bodyPr rtlCol="0" anchor="ctr"/>
+          <a:lstStyle/>
+          <a:p>
+            <a:pPr algn="ctr"/>
+            <a:r>
+              <a:rPr kumimoji="1" lang="en-US" altLang="zh-CN" sz="1400" dirty="0" err="1" smtClean="0">
+                <a:solidFill>
+                  <a:schemeClr val="tx1"/>
+                </a:solidFill>
+              </a:rPr>
+              <a:t>bw</a:t>
+            </a:r>
+            <a:r>
+              <a:rPr kumimoji="1" lang="en-US" altLang="zh-CN" sz="1400" baseline="-25000" dirty="0" err="1" smtClean="0">
+                <a:solidFill>
+                  <a:schemeClr val="tx1"/>
+                </a:solidFill>
+              </a:rPr>
+              <a:t>in</a:t>
+            </a:r>
+            <a:r>
+              <a:rPr kumimoji="1" lang="en-US" altLang="zh-CN" sz="1400" dirty="0" smtClean="0">
+                <a:solidFill>
+                  <a:schemeClr val="tx1"/>
+                </a:solidFill>
+              </a:rPr>
+              <a:t>,</a:t>
+            </a:r>
+          </a:p>
+          <a:p>
+            <a:pPr algn="ctr"/>
+            <a:r>
+              <a:rPr kumimoji="1" lang="en-US" altLang="zh-CN" sz="1400" dirty="0" err="1" smtClean="0">
+                <a:solidFill>
+                  <a:schemeClr val="tx1"/>
+                </a:solidFill>
+              </a:rPr>
+              <a:t>bw</a:t>
+            </a:r>
+            <a:r>
+              <a:rPr kumimoji="1" lang="en-US" altLang="zh-CN" sz="1400" baseline="-25000" dirty="0" err="1" smtClean="0">
+                <a:solidFill>
+                  <a:schemeClr val="tx1"/>
+                </a:solidFill>
+              </a:rPr>
+              <a:t>out</a:t>
+            </a:r>
+            <a:endParaRPr kumimoji="1" lang="zh-CN" altLang="en-US" sz="1400" dirty="0">
+              <a:solidFill>
+                <a:schemeClr val="tx1"/>
+              </a:solidFill>
+            </a:endParaRPr>
+          </a:p>
+        </p:txBody>
+      </p:sp>
+      <p:sp>
+        <p:nvSpPr>
+          <p:cNvPr id="38" name="矩形 37"/>
+          <p:cNvSpPr/>
+          <p:nvPr/>
+        </p:nvSpPr>
+        <p:spPr>
+          <a:xfrm>
+            <a:off x="5149506" y="2631277"/>
+            <a:ext cx="1552290" cy="523588"/>
+          </a:xfrm>
+          <a:prstGeom prst="rect">
+            <a:avLst/>
+          </a:prstGeom>
+          <a:solidFill>
+            <a:schemeClr val="bg1"/>
+          </a:solidFill>
+          <a:ln>
+            <a:solidFill>
+              <a:schemeClr val="tx1"/>
+            </a:solidFill>
+          </a:ln>
+        </p:spPr>
+        <p:style>
+          <a:lnRef idx="2">
+            <a:schemeClr val="accent1">
+              <a:shade val="50000"/>
+            </a:schemeClr>
+          </a:lnRef>
+          <a:fillRef idx="1">
+            <a:schemeClr val="accent1"/>
+          </a:fillRef>
+          <a:effectRef idx="0">
+            <a:schemeClr val="accent1"/>
+          </a:effectRef>
+          <a:fontRef idx="minor">
+            <a:schemeClr val="lt1"/>
+          </a:fontRef>
+        </p:style>
+        <p:txBody>
+          <a:bodyPr rtlCol="0" anchor="ctr"/>
+          <a:lstStyle/>
+          <a:p>
+            <a:pPr algn="ctr"/>
+            <a:r>
+              <a:rPr kumimoji="1" lang="en-US" altLang="zh-CN" sz="1600" dirty="0" smtClean="0">
+                <a:solidFill>
+                  <a:schemeClr val="tx1"/>
+                </a:solidFill>
+                <a:ea typeface="Arial" charset="0"/>
+                <a:cs typeface="Arial" charset="0"/>
+              </a:rPr>
+              <a:t>K-Sigma</a:t>
+            </a:r>
+            <a:endParaRPr kumimoji="1" lang="zh-CN" altLang="en-US" sz="1600" dirty="0">
+              <a:solidFill>
+                <a:schemeClr val="tx1"/>
+              </a:solidFill>
+              <a:ea typeface="Arial" charset="0"/>
+              <a:cs typeface="Arial" charset="0"/>
+            </a:endParaRPr>
+          </a:p>
+        </p:txBody>
+      </p:sp>
+      <p:cxnSp>
+        <p:nvCxnSpPr>
+          <p:cNvPr id="49" name="肘形连接符 48"/>
+          <p:cNvCxnSpPr/>
+          <p:nvPr/>
+        </p:nvCxnSpPr>
+        <p:spPr>
+          <a:xfrm flipV="1">
+            <a:off x="6682650" y="2466635"/>
+            <a:ext cx="2463105" cy="456745"/>
+          </a:xfrm>
+          <a:prstGeom prst="bentConnector3">
+            <a:avLst>
+              <a:gd name="adj1" fmla="val 16589"/>
+            </a:avLst>
+          </a:prstGeom>
+          <a:ln>
+            <a:solidFill>
+              <a:schemeClr val="tx1"/>
+            </a:solidFill>
+            <a:tailEnd type="arrow"/>
+          </a:ln>
+        </p:spPr>
+        <p:style>
+          <a:lnRef idx="1">
+            <a:schemeClr val="accent1"/>
+          </a:lnRef>
+          <a:fillRef idx="0">
+            <a:schemeClr val="accent1"/>
+          </a:fillRef>
+          <a:effectRef idx="0">
+            <a:schemeClr val="accent1"/>
+          </a:effectRef>
+          <a:fontRef idx="minor">
+            <a:schemeClr val="tx1"/>
+          </a:fontRef>
+        </p:style>
+      </p:cxnSp>
+      <p:sp>
+        <p:nvSpPr>
+          <p:cNvPr id="44" name="圆角矩形 43"/>
+          <p:cNvSpPr/>
+          <p:nvPr/>
+        </p:nvSpPr>
+        <p:spPr>
+          <a:xfrm>
+            <a:off x="7191131" y="2240606"/>
+            <a:ext cx="1533118" cy="488475"/>
+          </a:xfrm>
+          <a:prstGeom prst="roundRect">
+            <a:avLst/>
+          </a:prstGeom>
+          <a:solidFill>
+            <a:schemeClr val="bg1"/>
+          </a:solidFill>
+          <a:ln>
+            <a:solidFill>
+              <a:schemeClr val="tx1"/>
+            </a:solidFill>
+          </a:ln>
+        </p:spPr>
+        <p:style>
+          <a:lnRef idx="2">
+            <a:schemeClr val="accent1">
+              <a:shade val="50000"/>
+            </a:schemeClr>
+          </a:lnRef>
+          <a:fillRef idx="1">
+            <a:schemeClr val="accent1"/>
+          </a:fillRef>
+          <a:effectRef idx="0">
+            <a:schemeClr val="accent1"/>
+          </a:effectRef>
+          <a:fontRef idx="minor">
+            <a:schemeClr val="lt1"/>
+          </a:fontRef>
+        </p:style>
+        <p:txBody>
+          <a:bodyPr rtlCol="0" anchor="ctr"/>
+          <a:lstStyle/>
+          <a:p>
+            <a:pPr algn="ctr"/>
+            <a:r>
+              <a:rPr kumimoji="1" lang="en-US" altLang="zh-CN" sz="1400" dirty="0" err="1">
+                <a:solidFill>
+                  <a:schemeClr val="tx1"/>
+                </a:solidFill>
+              </a:rPr>
+              <a:t>p</a:t>
+            </a:r>
+            <a:r>
+              <a:rPr kumimoji="1" lang="en-US" altLang="zh-CN" sz="1400" dirty="0" err="1" smtClean="0">
+                <a:solidFill>
+                  <a:schemeClr val="tx1"/>
+                </a:solidFill>
+              </a:rPr>
+              <a:t>redicted_bw</a:t>
+            </a:r>
+            <a:r>
+              <a:rPr kumimoji="1" lang="en-US" altLang="zh-CN" sz="1400" baseline="-25000" dirty="0" err="1" smtClean="0">
+                <a:solidFill>
+                  <a:schemeClr val="tx1"/>
+                </a:solidFill>
+              </a:rPr>
+              <a:t>in</a:t>
+            </a:r>
+            <a:r>
+              <a:rPr kumimoji="1" lang="en-US" altLang="zh-CN" sz="1400" dirty="0" smtClean="0">
+                <a:solidFill>
+                  <a:schemeClr val="tx1"/>
+                </a:solidFill>
+              </a:rPr>
+              <a:t>,</a:t>
+            </a:r>
+          </a:p>
+          <a:p>
+            <a:pPr algn="ctr"/>
+            <a:r>
+              <a:rPr kumimoji="1" lang="en-US" altLang="zh-CN" sz="1400" dirty="0" err="1">
+                <a:solidFill>
+                  <a:schemeClr val="tx1"/>
+                </a:solidFill>
+              </a:rPr>
+              <a:t>p</a:t>
+            </a:r>
+            <a:r>
+              <a:rPr kumimoji="1" lang="en-US" altLang="zh-CN" sz="1400" dirty="0" err="1" smtClean="0">
+                <a:solidFill>
+                  <a:schemeClr val="tx1"/>
+                </a:solidFill>
+              </a:rPr>
+              <a:t>redicted_bw</a:t>
+            </a:r>
+            <a:r>
+              <a:rPr kumimoji="1" lang="en-US" altLang="zh-CN" sz="1400" baseline="-25000" dirty="0" err="1" smtClean="0">
+                <a:solidFill>
+                  <a:schemeClr val="tx1"/>
+                </a:solidFill>
+              </a:rPr>
+              <a:t>out</a:t>
+            </a:r>
+            <a:endParaRPr kumimoji="1" lang="zh-CN" altLang="en-US" sz="1400" dirty="0">
+              <a:solidFill>
+                <a:schemeClr val="tx1"/>
+              </a:solidFill>
+            </a:endParaRPr>
+          </a:p>
+        </p:txBody>
+      </p:sp>
+    </p:spTree>
+    <p:extLst>
+      <p:ext uri="{BB962C8B-B14F-4D97-AF65-F5344CB8AC3E}">
+        <p14:creationId xmlns:p14="http://schemas.microsoft.com/office/powerpoint/2010/main" val="36094748"/>
       </p:ext>
     </p:extLst>
   </p:cSld>
@@ -4133,4 +5305,265 @@
     </a:ext>
   </a:extLst>
 </a:theme>
+</file>
+
+<file path=ppt/theme/theme2.xml><?xml version="1.0" encoding="utf-8"?>
+<a:theme xmlns:a="http://schemas.openxmlformats.org/drawingml/2006/main" name="Office 主题">
+  <a:themeElements>
+    <a:clrScheme name="Office">
+      <a:dk1>
+        <a:sysClr val="windowText" lastClr="000000"/>
+      </a:dk1>
+      <a:lt1>
+        <a:sysClr val="window" lastClr="FFFFFF"/>
+      </a:lt1>
+      <a:dk2>
+        <a:srgbClr val="44546A"/>
+      </a:dk2>
+      <a:lt2>
+        <a:srgbClr val="E7E6E6"/>
+      </a:lt2>
+      <a:accent1>
+        <a:srgbClr val="4472C4"/>
+      </a:accent1>
+      <a:accent2>
+        <a:srgbClr val="ED7D31"/>
+      </a:accent2>
+      <a:accent3>
+        <a:srgbClr val="A5A5A5"/>
+      </a:accent3>
+      <a:accent4>
+        <a:srgbClr val="FFC000"/>
+      </a:accent4>
+      <a:accent5>
+        <a:srgbClr val="5B9BD5"/>
+      </a:accent5>
+      <a:accent6>
+        <a:srgbClr val="70AD47"/>
+      </a:accent6>
+      <a:hlink>
+        <a:srgbClr val="0563C1"/>
+      </a:hlink>
+      <a:folHlink>
+        <a:srgbClr val="954F72"/>
+      </a:folHlink>
+    </a:clrScheme>
+    <a:fontScheme name="Office">
+      <a:majorFont>
+        <a:latin typeface="DengXian Light" panose="020F0302020204030204"/>
+        <a:ea typeface=""/>
+        <a:cs typeface=""/>
+        <a:font script="Jpan" typeface="Yu Gothic Light"/>
+        <a:font script="Hang" typeface="맑은 고딕"/>
+        <a:font script="Hans" typeface="DengXian Light"/>
+        <a:font script="Hant" typeface="新細明體"/>
+        <a:font script="Arab" typeface="Times New Roman"/>
+        <a:font script="Hebr" typeface="Times New Roman"/>
+        <a:font script="Thai" typeface="Angsana New"/>
+        <a:font script="Ethi" typeface="Nyala"/>
+        <a:font script="Beng" typeface="Vrinda"/>
+        <a:font script="Gujr" typeface="Shruti"/>
+        <a:font script="Khmr" typeface="MoolBoran"/>
+        <a:font script="Knda" typeface="Tunga"/>
+        <a:font script="Guru" typeface="Raavi"/>
+        <a:font script="Cans" typeface="Euphemia"/>
+        <a:font script="Cher" typeface="Plantagenet Cherokee"/>
+        <a:font script="Yiii" typeface="Microsoft Yi Baiti"/>
+        <a:font script="Tibt" typeface="Microsoft Himalaya"/>
+        <a:font script="Thaa" typeface="MV Boli"/>
+        <a:font script="Deva" typeface="Mangal"/>
+        <a:font script="Telu" typeface="Gautami"/>
+        <a:font script="Taml" typeface="Latha"/>
+        <a:font script="Syrc" typeface="Estrangelo Edessa"/>
+        <a:font script="Orya" typeface="Kalinga"/>
+        <a:font script="Mlym" typeface="Kartika"/>
+        <a:font script="Laoo" typeface="DokChampa"/>
+        <a:font script="Sinh" typeface="Iskoola Pota"/>
+        <a:font script="Mong" typeface="Mongolian Baiti"/>
+        <a:font script="Viet" typeface="Times New Roman"/>
+        <a:font script="Uigh" typeface="Microsoft Uighur"/>
+        <a:font script="Geor" typeface="Sylfaen"/>
+      </a:majorFont>
+      <a:minorFont>
+        <a:latin typeface="DengXian" panose="020F0502020204030204"/>
+        <a:ea typeface=""/>
+        <a:cs typeface=""/>
+        <a:font script="Jpan" typeface="Yu Gothic"/>
+        <a:font script="Hang" typeface="맑은 고딕"/>
+        <a:font script="Hans" typeface="DengXian"/>
+        <a:font script="Hant" typeface="新細明體"/>
+        <a:font script="Arab" typeface="Arial"/>
+        <a:font script="Hebr" typeface="Arial"/>
+        <a:font script="Thai" typeface="Cordia New"/>
+        <a:font script="Ethi" typeface="Nyala"/>
+        <a:font script="Beng" typeface="Vrinda"/>
+        <a:font script="Gujr" typeface="Shruti"/>
+        <a:font script="Khmr" typeface="DaunPenh"/>
+        <a:font script="Knda" typeface="Tunga"/>
+        <a:font script="Guru" typeface="Raavi"/>
+        <a:font script="Cans" typeface="Euphemia"/>
+        <a:font script="Cher" typeface="Plantagenet Cherokee"/>
+        <a:font script="Yiii" typeface="Microsoft Yi Baiti"/>
+        <a:font script="Tibt" typeface="Microsoft Himalaya"/>
+        <a:font script="Thaa" typeface="MV Boli"/>
+        <a:font script="Deva" typeface="Mangal"/>
+        <a:font script="Telu" typeface="Gautami"/>
+        <a:font script="Taml" typeface="Latha"/>
+        <a:font script="Syrc" typeface="Estrangelo Edessa"/>
+        <a:font script="Orya" typeface="Kalinga"/>
+        <a:font script="Mlym" typeface="Kartika"/>
+        <a:font script="Laoo" typeface="DokChampa"/>
+        <a:font script="Sinh" typeface="Iskoola Pota"/>
+        <a:font script="Mong" typeface="Mongolian Baiti"/>
+        <a:font script="Viet" typeface="Arial"/>
+        <a:font script="Uigh" typeface="Microsoft Uighur"/>
+        <a:font script="Geor" typeface="Sylfaen"/>
+      </a:minorFont>
+    </a:fontScheme>
+    <a:fmtScheme name="Office">
+      <a:fillStyleLst>
+        <a:solidFill>
+          <a:schemeClr val="phClr"/>
+        </a:solidFill>
+        <a:gradFill rotWithShape="1">
+          <a:gsLst>
+            <a:gs pos="0">
+              <a:schemeClr val="phClr">
+                <a:lumMod val="110000"/>
+                <a:satMod val="105000"/>
+                <a:tint val="67000"/>
+              </a:schemeClr>
+            </a:gs>
+            <a:gs pos="50000">
+              <a:schemeClr val="phClr">
+                <a:lumMod val="105000"/>
+                <a:satMod val="103000"/>
+                <a:tint val="73000"/>
+              </a:schemeClr>
+            </a:gs>
+            <a:gs pos="100000">
+              <a:schemeClr val="phClr">
+                <a:lumMod val="105000"/>
+                <a:satMod val="109000"/>
+                <a:tint val="81000"/>
+              </a:schemeClr>
+            </a:gs>
+          </a:gsLst>
+          <a:lin ang="5400000" scaled="0"/>
+        </a:gradFill>
+        <a:gradFill rotWithShape="1">
+          <a:gsLst>
+            <a:gs pos="0">
+              <a:schemeClr val="phClr">
+                <a:satMod val="103000"/>
+                <a:lumMod val="102000"/>
+                <a:tint val="94000"/>
+              </a:schemeClr>
+            </a:gs>
+            <a:gs pos="50000">
+              <a:schemeClr val="phClr">
+                <a:satMod val="110000"/>
+                <a:lumMod val="100000"/>
+                <a:shade val="100000"/>
+              </a:schemeClr>
+            </a:gs>
+            <a:gs pos="100000">
+              <a:schemeClr val="phClr">
+                <a:lumMod val="99000"/>
+                <a:satMod val="120000"/>
+                <a:shade val="78000"/>
+              </a:schemeClr>
+            </a:gs>
+          </a:gsLst>
+          <a:lin ang="5400000" scaled="0"/>
+        </a:gradFill>
+      </a:fillStyleLst>
+      <a:lnStyleLst>
+        <a:ln w="6350" cap="flat" cmpd="sng" algn="ctr">
+          <a:solidFill>
+            <a:schemeClr val="phClr"/>
+          </a:solidFill>
+          <a:prstDash val="solid"/>
+          <a:miter lim="800000"/>
+        </a:ln>
+        <a:ln w="12700" cap="flat" cmpd="sng" algn="ctr">
+          <a:solidFill>
+            <a:schemeClr val="phClr"/>
+          </a:solidFill>
+          <a:prstDash val="solid"/>
+          <a:miter lim="800000"/>
+        </a:ln>
+        <a:ln w="19050" cap="flat" cmpd="sng" algn="ctr">
+          <a:solidFill>
+            <a:schemeClr val="phClr"/>
+          </a:solidFill>
+          <a:prstDash val="solid"/>
+          <a:miter lim="800000"/>
+        </a:ln>
+      </a:lnStyleLst>
+      <a:effectStyleLst>
+        <a:effectStyle>
+          <a:effectLst/>
+        </a:effectStyle>
+        <a:effectStyle>
+          <a:effectLst/>
+        </a:effectStyle>
+        <a:effectStyle>
+          <a:effectLst>
+            <a:outerShdw blurRad="57150" dist="19050" dir="5400000" algn="ctr" rotWithShape="0">
+              <a:srgbClr val="000000">
+                <a:alpha val="63000"/>
+              </a:srgbClr>
+            </a:outerShdw>
+          </a:effectLst>
+        </a:effectStyle>
+      </a:effectStyleLst>
+      <a:bgFillStyleLst>
+        <a:solidFill>
+          <a:schemeClr val="phClr"/>
+        </a:solidFill>
+        <a:solidFill>
+          <a:schemeClr val="phClr">
+            <a:tint val="95000"/>
+            <a:satMod val="170000"/>
+          </a:schemeClr>
+        </a:solidFill>
+        <a:gradFill rotWithShape="1">
+          <a:gsLst>
+            <a:gs pos="0">
+              <a:schemeClr val="phClr">
+                <a:tint val="93000"/>
+                <a:satMod val="150000"/>
+                <a:shade val="98000"/>
+                <a:lumMod val="102000"/>
+              </a:schemeClr>
+            </a:gs>
+            <a:gs pos="50000">
+              <a:schemeClr val="phClr">
+                <a:tint val="98000"/>
+                <a:satMod val="130000"/>
+                <a:shade val="90000"/>
+                <a:lumMod val="103000"/>
+              </a:schemeClr>
+            </a:gs>
+            <a:gs pos="100000">
+              <a:schemeClr val="phClr">
+                <a:shade val="63000"/>
+                <a:satMod val="120000"/>
+              </a:schemeClr>
+            </a:gs>
+          </a:gsLst>
+          <a:lin ang="5400000" scaled="0"/>
+        </a:gradFill>
+      </a:bgFillStyleLst>
+    </a:fmtScheme>
+  </a:themeElements>
+  <a:objectDefaults/>
+  <a:extraClrSchemeLst/>
+  <a:extLst>
+    <a:ext uri="{05A4C25C-085E-4340-85A3-A5531E510DB2}">
+      <thm15:themeFamily xmlns:thm15="http://schemas.microsoft.com/office/thememl/2012/main" name="Office Theme" id="{62F939B6-93AF-4DB8-9C6B-D6C7DFDC589F}" vid="{4A3C46E8-61CC-4603-A589-7422A47A8E4A}"/>
+    </a:ext>
+  </a:extLst>
+</a:theme>
 </file>
--- a/非eps/bds+.pptx
+++ b/非eps/bds+.pptx
@@ -4317,13 +4317,18 @@
           <a:p>
             <a:pPr algn="ctr"/>
             <a:r>
-              <a:rPr kumimoji="1" lang="en-US" altLang="zh-CN" b="1" dirty="0">
+              <a:rPr kumimoji="1" lang="en-US" altLang="zh-CN" b="1" smtClean="0">
                 <a:latin typeface="Arial" charset="0"/>
                 <a:ea typeface="Arial" charset="0"/>
                 <a:cs typeface="Arial" charset="0"/>
               </a:rPr>
-              <a:t>Agent</a:t>
-            </a:r>
+              <a:t>Agent Monitor</a:t>
+            </a:r>
+            <a:endParaRPr kumimoji="1" lang="en-US" altLang="zh-CN" b="1" dirty="0">
+              <a:latin typeface="Arial" charset="0"/>
+              <a:ea typeface="Arial" charset="0"/>
+              <a:cs typeface="Arial" charset="0"/>
+            </a:endParaRPr>
           </a:p>
         </p:txBody>
       </p:sp>
